--- a/document/PP_FSL_NguyenAnhDac_NguyenThanhTanKy_FNL.pptx
+++ b/document/PP_FSL_NguyenAnhDac_NguyenThanhTanKy_FNL.pptx
@@ -366,7 +366,7 @@
           <a:p>
             <a:fld id="{B7268E1E-0E44-426D-905E-8AD9B19D2182}" type="datetimeFigureOut">
               <a:rPr lang="cs-CZ" smtClean="0"/>
-              <a:t>11.07.2023</a:t>
+              <a:t>12.07.2023</a:t>
             </a:fld>
             <a:endParaRPr lang="cs-CZ"/>
           </a:p>
@@ -5346,7 +5346,7 @@
           <a:p>
             <a:fld id="{58675832-DE4F-4C2B-9216-938C71C6E75E}" type="datetime1">
               <a:rPr lang="en-US" smtClean="0"/>
-              <a:t>7/11/2023</a:t>
+              <a:t>7/12/2023</a:t>
             </a:fld>
             <a:endParaRPr lang="en-US"/>
           </a:p>
@@ -5510,7 +5510,7 @@
           <a:p>
             <a:fld id="{3A0ABFF8-E21F-4488-B0A5-BE403933472B}" type="datetime1">
               <a:rPr lang="en-US" smtClean="0"/>
-              <a:t>7/11/2023</a:t>
+              <a:t>7/12/2023</a:t>
             </a:fld>
             <a:endParaRPr lang="en-US"/>
           </a:p>
@@ -5684,7 +5684,7 @@
           <a:p>
             <a:fld id="{C1F9413C-4688-4498-8AA6-2CD40E828FF0}" type="datetime1">
               <a:rPr lang="en-US" smtClean="0"/>
-              <a:t>7/11/2023</a:t>
+              <a:t>7/12/2023</a:t>
             </a:fld>
             <a:endParaRPr lang="en-US"/>
           </a:p>
@@ -5848,7 +5848,7 @@
           <a:p>
             <a:fld id="{E5C6F326-DCEA-4D9F-AFB6-7CD509F926C3}" type="datetime1">
               <a:rPr lang="en-US" smtClean="0"/>
-              <a:t>7/11/2023</a:t>
+              <a:t>7/12/2023</a:t>
             </a:fld>
             <a:endParaRPr lang="en-US"/>
           </a:p>
@@ -6089,7 +6089,7 @@
           <a:p>
             <a:fld id="{5E07B0B2-28F4-45E2-9762-FA0BA0ECA5E4}" type="datetime1">
               <a:rPr lang="en-US" smtClean="0"/>
-              <a:t>7/11/2023</a:t>
+              <a:t>7/12/2023</a:t>
             </a:fld>
             <a:endParaRPr lang="en-US"/>
           </a:p>
@@ -6370,7 +6370,7 @@
           <a:p>
             <a:fld id="{1165ABFD-2534-4555-AFCA-B13AA8EDB6DE}" type="datetime1">
               <a:rPr lang="en-US" smtClean="0"/>
-              <a:t>7/11/2023</a:t>
+              <a:t>7/12/2023</a:t>
             </a:fld>
             <a:endParaRPr lang="en-US"/>
           </a:p>
@@ -6785,7 +6785,7 @@
           <a:p>
             <a:fld id="{66768194-FE36-4820-837B-CACBA3342D00}" type="datetime1">
               <a:rPr lang="en-US" smtClean="0"/>
-              <a:t>7/11/2023</a:t>
+              <a:t>7/12/2023</a:t>
             </a:fld>
             <a:endParaRPr lang="en-US"/>
           </a:p>
@@ -6898,7 +6898,7 @@
           <a:p>
             <a:fld id="{CB186EDD-08C4-4F6B-8AE6-D0635C415F45}" type="datetime1">
               <a:rPr lang="en-US" smtClean="0"/>
-              <a:t>7/11/2023</a:t>
+              <a:t>7/12/2023</a:t>
             </a:fld>
             <a:endParaRPr lang="en-US"/>
           </a:p>
@@ -6989,7 +6989,7 @@
           <a:p>
             <a:fld id="{DFB05FE4-6FE5-4055-BA84-25935E0EA8BE}" type="datetime1">
               <a:rPr lang="en-US" smtClean="0"/>
-              <a:t>7/11/2023</a:t>
+              <a:t>7/12/2023</a:t>
             </a:fld>
             <a:endParaRPr lang="en-US"/>
           </a:p>
@@ -7260,7 +7260,7 @@
           <a:p>
             <a:fld id="{C5DDD7E6-A61D-4EA9-A85E-936F758C964A}" type="datetime1">
               <a:rPr lang="en-US" smtClean="0"/>
-              <a:t>7/11/2023</a:t>
+              <a:t>7/12/2023</a:t>
             </a:fld>
             <a:endParaRPr lang="en-US"/>
           </a:p>
@@ -7508,7 +7508,7 @@
           <a:p>
             <a:fld id="{5E5A7CAB-F682-40CF-A43F-284879CC048B}" type="datetime1">
               <a:rPr lang="en-US" smtClean="0"/>
-              <a:t>7/11/2023</a:t>
+              <a:t>7/12/2023</a:t>
             </a:fld>
             <a:endParaRPr lang="en-US"/>
           </a:p>
@@ -7715,7 +7715,7 @@
           <a:p>
             <a:fld id="{4B2570AF-A9A7-4702-82F2-D31529C6CA7E}" type="datetime1">
               <a:rPr lang="en-US" smtClean="0"/>
-              <a:t>7/11/2023</a:t>
+              <a:t>7/12/2023</a:t>
             </a:fld>
             <a:endParaRPr lang="en-US"/>
           </a:p>
@@ -19507,10 +19507,19 @@
                     <a:solidFill>
                       <a:srgbClr val="000000"/>
                     </a:solidFill>
+                    <a:ea typeface="Calibri" panose="020F0502020204030204" pitchFamily="34" charset="0"/>
+                  </a:rPr>
+                  <a:t>i</a:t>
+                </a:r>
+                <a:r>
+                  <a:rPr lang="en-US" sz="2000" i="1" dirty="0">
+                    <a:solidFill>
+                      <a:srgbClr val="000000"/>
+                    </a:solidFill>
                     <a:effectLst/>
                     <a:ea typeface="Calibri" panose="020F0502020204030204" pitchFamily="34" charset="0"/>
                   </a:rPr>
-                  <a:t>k </a:t>
+                  <a:t> </a:t>
                 </a:r>
                 <a:r>
                   <a:rPr lang="en-US" sz="2000" b="1" dirty="0">
@@ -19581,7 +19590,7 @@
                       </m:e>
                       <m:sub>
                         <m:r>
-                          <a:rPr lang="en-US" sz="2000" i="1">
+                          <a:rPr lang="en-US" sz="2000" b="0" i="1" smtClean="0">
                             <a:solidFill>
                               <a:srgbClr val="000000"/>
                             </a:solidFill>
@@ -19589,7 +19598,7 @@
                             <a:latin typeface="Cambria Math" panose="02040503050406030204" pitchFamily="18" charset="0"/>
                             <a:ea typeface="Calibri" panose="020F0502020204030204" pitchFamily="34" charset="0"/>
                           </a:rPr>
-                          <m:t>𝑐</m:t>
+                          <m:t>𝑄</m:t>
                         </m:r>
                       </m:sub>
                     </m:sSub>
@@ -19685,7 +19694,7 @@
                     </a:solidFill>
                     <a:ea typeface="Calibri" panose="020F0502020204030204" pitchFamily="34" charset="0"/>
                   </a:rPr>
-                  <a:t>i </a:t>
+                  <a:t>k </a:t>
                 </a:r>
                 <a:r>
                   <a:rPr lang="en-US" sz="2000" b="1" dirty="0">
@@ -19757,7 +19766,7 @@
                             <a:latin typeface="Cambria Math" panose="02040503050406030204" pitchFamily="18" charset="0"/>
                             <a:ea typeface="Calibri" panose="020F0502020204030204" pitchFamily="34" charset="0"/>
                           </a:rPr>
-                          <m:t>𝑄</m:t>
+                          <m:t>𝐶</m:t>
                         </m:r>
                       </m:sub>
                     </m:sSub>
@@ -19818,23 +19827,33 @@
                 <a14:m>
                   <m:oMath xmlns:m="http://schemas.openxmlformats.org/officeDocument/2006/math">
                     <m:r>
-                      <a:rPr lang="en-US" sz="2000"/>
+                      <a:rPr lang="en-US" sz="2000">
+                        <a:latin typeface="Cambria Math" panose="02040503050406030204" pitchFamily="18" charset="0"/>
+                      </a:rPr>
                       <m:t>(</m:t>
                     </m:r>
                     <m:r>
-                      <a:rPr lang="en-US" sz="2000" i="1"/>
+                      <a:rPr lang="en-US" sz="2000" i="1">
+                        <a:latin typeface="Cambria Math" panose="02040503050406030204" pitchFamily="18" charset="0"/>
+                      </a:rPr>
                       <m:t>𝑥</m:t>
                     </m:r>
                     <m:r>
-                      <a:rPr lang="en-US" sz="2000"/>
+                      <a:rPr lang="en-US" sz="2000">
+                        <a:latin typeface="Cambria Math" panose="02040503050406030204" pitchFamily="18" charset="0"/>
+                      </a:rPr>
                       <m:t>, </m:t>
                     </m:r>
                     <m:r>
-                      <a:rPr lang="en-US" sz="2000" i="1"/>
+                      <a:rPr lang="en-US" sz="2000" i="1">
+                        <a:latin typeface="Cambria Math" panose="02040503050406030204" pitchFamily="18" charset="0"/>
+                      </a:rPr>
                       <m:t>𝑦</m:t>
                     </m:r>
                     <m:r>
-                      <a:rPr lang="en-US" sz="2000"/>
+                      <a:rPr lang="en-US" sz="2000">
+                        <a:latin typeface="Cambria Math" panose="02040503050406030204" pitchFamily="18" charset="0"/>
+                      </a:rPr>
                       <m:t>)</m:t>
                     </m:r>
                   </m:oMath>
@@ -19858,18 +19877,24 @@
                     <m:sSub>
                       <m:sSubPr>
                         <m:ctrlPr>
-                          <a:rPr lang="en-US" sz="2000" i="1"/>
+                          <a:rPr lang="en-US" sz="2000" i="1">
+                            <a:latin typeface="Cambria Math" panose="02040503050406030204" pitchFamily="18" charset="0"/>
+                          </a:rPr>
                         </m:ctrlPr>
                       </m:sSubPr>
                       <m:e>
                         <m:r>
-                          <a:rPr lang="en-US" sz="2000" i="1"/>
+                          <a:rPr lang="en-US" sz="2000" i="1">
+                            <a:latin typeface="Cambria Math" panose="02040503050406030204" pitchFamily="18" charset="0"/>
+                          </a:rPr>
                           <m:t>𝑄</m:t>
                         </m:r>
                       </m:e>
                       <m:sub>
                         <m:r>
-                          <a:rPr lang="en-US" sz="2000" i="1"/>
+                          <a:rPr lang="en-US" sz="2000" i="1">
+                            <a:latin typeface="Cambria Math" panose="02040503050406030204" pitchFamily="18" charset="0"/>
+                          </a:rPr>
                           <m:t>𝑘</m:t>
                         </m:r>
                       </m:sub>
@@ -19879,12 +19904,16 @@
                         <m:begChr m:val="["/>
                         <m:endChr m:val="]"/>
                         <m:ctrlPr>
-                          <a:rPr lang="en-US" sz="2000" i="1"/>
+                          <a:rPr lang="en-US" sz="2000" i="1">
+                            <a:latin typeface="Cambria Math" panose="02040503050406030204" pitchFamily="18" charset="0"/>
+                          </a:rPr>
                         </m:ctrlPr>
                       </m:dPr>
                       <m:e>
                         <m:r>
-                          <a:rPr lang="en-US" sz="2000" i="1"/>
+                          <a:rPr lang="en-US" sz="2000" i="1">
+                            <a:latin typeface="Cambria Math" panose="02040503050406030204" pitchFamily="18" charset="0"/>
+                          </a:rPr>
                           <m:t>𝑖</m:t>
                         </m:r>
                       </m:e>
@@ -20084,12 +20113,16 @@
                         <m:begChr m:val="["/>
                         <m:endChr m:val="]"/>
                         <m:ctrlPr>
-                          <a:rPr lang="en-US" sz="2000" i="1"/>
+                          <a:rPr lang="en-US" sz="2000" i="1">
+                            <a:latin typeface="Cambria Math" panose="02040503050406030204" pitchFamily="18" charset="0"/>
+                          </a:rPr>
                         </m:ctrlPr>
                       </m:dPr>
                       <m:e>
                         <m:r>
-                          <a:rPr lang="en-US" sz="2000" i="1"/>
+                          <a:rPr lang="en-US" sz="2000" i="1">
+                            <a:latin typeface="Cambria Math" panose="02040503050406030204" pitchFamily="18" charset="0"/>
+                          </a:rPr>
                           <m:t>−</m:t>
                         </m:r>
                         <m:r>
@@ -20970,8 +21003,8 @@
           </a:p>
         </p:txBody>
       </p:sp>
-      <mc:AlternateContent xmlns:mc="http://schemas.openxmlformats.org/markup-compatibility/2006">
-        <mc:Choice xmlns:a14="http://schemas.microsoft.com/office/drawing/2010/main" Requires="a14">
+      <mc:AlternateContent xmlns:mc="http://schemas.openxmlformats.org/markup-compatibility/2006" xmlns:a14="http://schemas.microsoft.com/office/drawing/2010/main">
+        <mc:Choice Requires="a14">
           <p:sp>
             <p:nvSpPr>
               <p:cNvPr id="12" name="TextBox 11">
@@ -21055,7 +21088,7 @@
             </p:txBody>
           </p:sp>
         </mc:Choice>
-        <mc:Fallback>
+        <mc:Fallback xmlns="">
           <p:sp>
             <p:nvSpPr>
               <p:cNvPr id="12" name="TextBox 11">
@@ -21456,8 +21489,8 @@
           </a:p>
         </p:txBody>
       </p:sp>
-      <mc:AlternateContent xmlns:mc="http://schemas.openxmlformats.org/markup-compatibility/2006">
-        <mc:Choice xmlns:a14="http://schemas.microsoft.com/office/drawing/2010/main" Requires="a14">
+      <mc:AlternateContent xmlns:mc="http://schemas.openxmlformats.org/markup-compatibility/2006" xmlns:a14="http://schemas.microsoft.com/office/drawing/2010/main">
+        <mc:Choice Requires="a14">
           <p:sp>
             <p:nvSpPr>
               <p:cNvPr id="25" name="Rectangle 24">
@@ -21562,7 +21595,7 @@
             </p:txBody>
           </p:sp>
         </mc:Choice>
-        <mc:Fallback>
+        <mc:Fallback xmlns="">
           <p:sp>
             <p:nvSpPr>
               <p:cNvPr id="25" name="Rectangle 24">
@@ -21612,8 +21645,8 @@
           </p:sp>
         </mc:Fallback>
       </mc:AlternateContent>
-      <mc:AlternateContent xmlns:mc="http://schemas.openxmlformats.org/markup-compatibility/2006">
-        <mc:Choice xmlns:a14="http://schemas.microsoft.com/office/drawing/2010/main" Requires="a14">
+      <mc:AlternateContent xmlns:mc="http://schemas.openxmlformats.org/markup-compatibility/2006" xmlns:a14="http://schemas.microsoft.com/office/drawing/2010/main">
+        <mc:Choice Requires="a14">
           <p:sp>
             <p:nvSpPr>
               <p:cNvPr id="26" name="Rectangle 25">
@@ -21718,7 +21751,7 @@
             </p:txBody>
           </p:sp>
         </mc:Choice>
-        <mc:Fallback>
+        <mc:Fallback xmlns="">
           <p:sp>
             <p:nvSpPr>
               <p:cNvPr id="26" name="Rectangle 25">
